--- a/イラスト.pptx
+++ b/イラスト.pptx
@@ -5,16 +5,17 @@
     <p:sldMasterId id="2147483648" r:id="rId1"/>
   </p:sldMasterIdLst>
   <p:handoutMasterIdLst>
-    <p:handoutMasterId r:id="rId9"/>
+    <p:handoutMasterId r:id="rId10"/>
   </p:handoutMasterIdLst>
   <p:sldIdLst>
-    <p:sldId id="257" r:id="rId2"/>
-    <p:sldId id="258" r:id="rId3"/>
-    <p:sldId id="259" r:id="rId4"/>
-    <p:sldId id="260" r:id="rId5"/>
-    <p:sldId id="261" r:id="rId6"/>
-    <p:sldId id="262" r:id="rId7"/>
-    <p:sldId id="263" r:id="rId8"/>
+    <p:sldId id="264" r:id="rId2"/>
+    <p:sldId id="257" r:id="rId3"/>
+    <p:sldId id="258" r:id="rId4"/>
+    <p:sldId id="259" r:id="rId5"/>
+    <p:sldId id="260" r:id="rId6"/>
+    <p:sldId id="261" r:id="rId7"/>
+    <p:sldId id="262" r:id="rId8"/>
+    <p:sldId id="263" r:id="rId9"/>
   </p:sldIdLst>
   <p:sldSz cx="12192000" cy="6858000"/>
   <p:notesSz cx="7099300" cy="10234613"/>
@@ -203,7 +204,7 @@
           <a:p>
             <a:fld id="{B5E7AF8B-FD9C-4188-8BA3-79A46472192F}" type="datetimeFigureOut">
               <a:rPr kumimoji="1" lang="ja-JP" altLang="en-US" smtClean="0"/>
-              <a:t>2019/9/19</a:t>
+              <a:t>2020/1/15</a:t>
             </a:fld>
             <a:endParaRPr kumimoji="1" lang="ja-JP" altLang="en-US"/>
           </a:p>
@@ -417,7 +418,7 @@
           <a:p>
             <a:fld id="{1019A24B-2DB6-47C4-AADA-142B59CEEE3F}" type="datetimeFigureOut">
               <a:rPr kumimoji="1" lang="ja-JP" altLang="en-US" smtClean="0"/>
-              <a:t>2019/9/19</a:t>
+              <a:t>2020/1/15</a:t>
             </a:fld>
             <a:endParaRPr kumimoji="1" lang="ja-JP" altLang="en-US"/>
           </a:p>
@@ -619,7 +620,7 @@
           <a:p>
             <a:fld id="{1019A24B-2DB6-47C4-AADA-142B59CEEE3F}" type="datetimeFigureOut">
               <a:rPr kumimoji="1" lang="ja-JP" altLang="en-US" smtClean="0"/>
-              <a:t>2019/9/19</a:t>
+              <a:t>2020/1/15</a:t>
             </a:fld>
             <a:endParaRPr kumimoji="1" lang="ja-JP" altLang="en-US"/>
           </a:p>
@@ -831,7 +832,7 @@
           <a:p>
             <a:fld id="{1019A24B-2DB6-47C4-AADA-142B59CEEE3F}" type="datetimeFigureOut">
               <a:rPr kumimoji="1" lang="ja-JP" altLang="en-US" smtClean="0"/>
-              <a:t>2019/9/19</a:t>
+              <a:t>2020/1/15</a:t>
             </a:fld>
             <a:endParaRPr kumimoji="1" lang="ja-JP" altLang="en-US"/>
           </a:p>
@@ -1033,7 +1034,7 @@
           <a:p>
             <a:fld id="{1019A24B-2DB6-47C4-AADA-142B59CEEE3F}" type="datetimeFigureOut">
               <a:rPr kumimoji="1" lang="ja-JP" altLang="en-US" smtClean="0"/>
-              <a:t>2019/9/19</a:t>
+              <a:t>2020/1/15</a:t>
             </a:fld>
             <a:endParaRPr kumimoji="1" lang="ja-JP" altLang="en-US"/>
           </a:p>
@@ -1279,7 +1280,7 @@
           <a:p>
             <a:fld id="{1019A24B-2DB6-47C4-AADA-142B59CEEE3F}" type="datetimeFigureOut">
               <a:rPr kumimoji="1" lang="ja-JP" altLang="en-US" smtClean="0"/>
-              <a:t>2019/9/19</a:t>
+              <a:t>2020/1/15</a:t>
             </a:fld>
             <a:endParaRPr kumimoji="1" lang="ja-JP" altLang="en-US"/>
           </a:p>
@@ -1575,7 +1576,7 @@
           <a:p>
             <a:fld id="{1019A24B-2DB6-47C4-AADA-142B59CEEE3F}" type="datetimeFigureOut">
               <a:rPr kumimoji="1" lang="ja-JP" altLang="en-US" smtClean="0"/>
-              <a:t>2019/9/19</a:t>
+              <a:t>2020/1/15</a:t>
             </a:fld>
             <a:endParaRPr kumimoji="1" lang="ja-JP" altLang="en-US"/>
           </a:p>
@@ -2006,7 +2007,7 @@
           <a:p>
             <a:fld id="{1019A24B-2DB6-47C4-AADA-142B59CEEE3F}" type="datetimeFigureOut">
               <a:rPr kumimoji="1" lang="ja-JP" altLang="en-US" smtClean="0"/>
-              <a:t>2019/9/19</a:t>
+              <a:t>2020/1/15</a:t>
             </a:fld>
             <a:endParaRPr kumimoji="1" lang="ja-JP" altLang="en-US"/>
           </a:p>
@@ -2124,7 +2125,7 @@
           <a:p>
             <a:fld id="{1019A24B-2DB6-47C4-AADA-142B59CEEE3F}" type="datetimeFigureOut">
               <a:rPr kumimoji="1" lang="ja-JP" altLang="en-US" smtClean="0"/>
-              <a:t>2019/9/19</a:t>
+              <a:t>2020/1/15</a:t>
             </a:fld>
             <a:endParaRPr kumimoji="1" lang="ja-JP" altLang="en-US"/>
           </a:p>
@@ -2219,7 +2220,7 @@
           <a:p>
             <a:fld id="{1019A24B-2DB6-47C4-AADA-142B59CEEE3F}" type="datetimeFigureOut">
               <a:rPr kumimoji="1" lang="ja-JP" altLang="en-US" smtClean="0"/>
-              <a:t>2019/9/19</a:t>
+              <a:t>2020/1/15</a:t>
             </a:fld>
             <a:endParaRPr kumimoji="1" lang="ja-JP" altLang="en-US"/>
           </a:p>
@@ -2528,7 +2529,7 @@
           <a:p>
             <a:fld id="{1019A24B-2DB6-47C4-AADA-142B59CEEE3F}" type="datetimeFigureOut">
               <a:rPr kumimoji="1" lang="ja-JP" altLang="en-US" smtClean="0"/>
-              <a:t>2019/9/19</a:t>
+              <a:t>2020/1/15</a:t>
             </a:fld>
             <a:endParaRPr kumimoji="1" lang="ja-JP" altLang="en-US"/>
           </a:p>
@@ -2781,7 +2782,7 @@
           <a:p>
             <a:fld id="{1019A24B-2DB6-47C4-AADA-142B59CEEE3F}" type="datetimeFigureOut">
               <a:rPr kumimoji="1" lang="ja-JP" altLang="en-US" smtClean="0"/>
-              <a:t>2019/9/19</a:t>
+              <a:t>2020/1/15</a:t>
             </a:fld>
             <a:endParaRPr kumimoji="1" lang="ja-JP" altLang="en-US"/>
           </a:p>
@@ -3026,7 +3027,7 @@
           <a:p>
             <a:fld id="{1019A24B-2DB6-47C4-AADA-142B59CEEE3F}" type="datetimeFigureOut">
               <a:rPr kumimoji="1" lang="ja-JP" altLang="en-US" smtClean="0"/>
-              <a:t>2019/9/19</a:t>
+              <a:t>2020/1/15</a:t>
             </a:fld>
             <a:endParaRPr kumimoji="1" lang="ja-JP" altLang="en-US"/>
           </a:p>
@@ -3431,6 +3432,363 @@
           <a:chExt cx="0" cy="0"/>
         </a:xfrm>
       </p:grpSpPr>
+      <p:grpSp>
+        <p:nvGrpSpPr>
+          <p:cNvPr id="19" name="グループ化 18"/>
+          <p:cNvGrpSpPr/>
+          <p:nvPr/>
+        </p:nvGrpSpPr>
+        <p:grpSpPr>
+          <a:xfrm>
+            <a:off x="557895" y="2604406"/>
+            <a:ext cx="11048997" cy="938894"/>
+            <a:chOff x="198667" y="1673678"/>
+            <a:chExt cx="11048997" cy="938894"/>
+          </a:xfrm>
+        </p:grpSpPr>
+        <p:sp>
+          <p:nvSpPr>
+            <p:cNvPr id="5" name="角丸四角形 4"/>
+            <p:cNvSpPr/>
+            <p:nvPr/>
+          </p:nvSpPr>
+          <p:spPr>
+            <a:xfrm>
+              <a:off x="6136823" y="1673678"/>
+              <a:ext cx="2141763" cy="938894"/>
+            </a:xfrm>
+            <a:prstGeom prst="roundRect">
+              <a:avLst/>
+            </a:prstGeom>
+            <a:ln w="28575"/>
+          </p:spPr>
+          <p:style>
+            <a:lnRef idx="2">
+              <a:schemeClr val="accent1">
+                <a:shade val="50000"/>
+              </a:schemeClr>
+            </a:lnRef>
+            <a:fillRef idx="1">
+              <a:schemeClr val="accent1"/>
+            </a:fillRef>
+            <a:effectRef idx="0">
+              <a:schemeClr val="accent1"/>
+            </a:effectRef>
+            <a:fontRef idx="minor">
+              <a:schemeClr val="lt1"/>
+            </a:fontRef>
+          </p:style>
+          <p:txBody>
+            <a:bodyPr rtlCol="0" anchor="ctr"/>
+            <a:lstStyle/>
+            <a:p>
+              <a:pPr algn="ctr"/>
+              <a:r>
+                <a:rPr kumimoji="1" lang="ja-JP" altLang="en-US" sz="2400" b="1" dirty="0" smtClean="0"/>
+                <a:t>オブジェクト</a:t>
+              </a:r>
+              <a:endParaRPr kumimoji="1" lang="en-US" altLang="ja-JP" sz="2400" b="1" dirty="0" smtClean="0"/>
+            </a:p>
+            <a:p>
+              <a:pPr algn="ctr"/>
+              <a:r>
+                <a:rPr kumimoji="1" lang="ja-JP" altLang="en-US" sz="2400" b="1" dirty="0" smtClean="0"/>
+                <a:t>抽出</a:t>
+              </a:r>
+              <a:endParaRPr kumimoji="1" lang="ja-JP" altLang="en-US" sz="2400" b="1" dirty="0"/>
+            </a:p>
+          </p:txBody>
+        </p:sp>
+        <p:sp>
+          <p:nvSpPr>
+            <p:cNvPr id="9" name="角丸四角形 8"/>
+            <p:cNvSpPr/>
+            <p:nvPr/>
+          </p:nvSpPr>
+          <p:spPr>
+            <a:xfrm>
+              <a:off x="3167745" y="1673678"/>
+              <a:ext cx="2141763" cy="938894"/>
+            </a:xfrm>
+            <a:prstGeom prst="roundRect">
+              <a:avLst/>
+            </a:prstGeom>
+            <a:ln w="28575"/>
+          </p:spPr>
+          <p:style>
+            <a:lnRef idx="2">
+              <a:schemeClr val="accent1">
+                <a:shade val="50000"/>
+              </a:schemeClr>
+            </a:lnRef>
+            <a:fillRef idx="1">
+              <a:schemeClr val="accent1"/>
+            </a:fillRef>
+            <a:effectRef idx="0">
+              <a:schemeClr val="accent1"/>
+            </a:effectRef>
+            <a:fontRef idx="minor">
+              <a:schemeClr val="lt1"/>
+            </a:fontRef>
+          </p:style>
+          <p:txBody>
+            <a:bodyPr rtlCol="0" anchor="ctr"/>
+            <a:lstStyle/>
+            <a:p>
+              <a:pPr algn="ctr"/>
+              <a:r>
+                <a:rPr lang="ja-JP" altLang="en-US" sz="2400" b="1" dirty="0"/>
+                <a:t>特定の色で</a:t>
+              </a:r>
+              <a:endParaRPr lang="en-US" altLang="ja-JP" sz="2400" b="1" dirty="0"/>
+            </a:p>
+            <a:p>
+              <a:pPr algn="ctr"/>
+              <a:r>
+                <a:rPr lang="ja-JP" altLang="en-US" sz="2400" b="1" dirty="0"/>
+                <a:t>二値化</a:t>
+              </a:r>
+              <a:endParaRPr lang="ja-JP" altLang="en-US" sz="2400" b="1" dirty="0"/>
+            </a:p>
+          </p:txBody>
+        </p:sp>
+        <p:sp>
+          <p:nvSpPr>
+            <p:cNvPr id="10" name="角丸四角形 9"/>
+            <p:cNvSpPr/>
+            <p:nvPr/>
+          </p:nvSpPr>
+          <p:spPr>
+            <a:xfrm>
+              <a:off x="198667" y="1673678"/>
+              <a:ext cx="2141763" cy="938894"/>
+            </a:xfrm>
+            <a:prstGeom prst="roundRect">
+              <a:avLst/>
+            </a:prstGeom>
+            <a:ln w="28575">
+              <a:solidFill>
+                <a:srgbClr val="0070C0"/>
+              </a:solidFill>
+            </a:ln>
+          </p:spPr>
+          <p:style>
+            <a:lnRef idx="2">
+              <a:schemeClr val="accent1">
+                <a:shade val="50000"/>
+              </a:schemeClr>
+            </a:lnRef>
+            <a:fillRef idx="1">
+              <a:schemeClr val="accent1"/>
+            </a:fillRef>
+            <a:effectRef idx="0">
+              <a:schemeClr val="accent1"/>
+            </a:effectRef>
+            <a:fontRef idx="minor">
+              <a:schemeClr val="lt1"/>
+            </a:fontRef>
+          </p:style>
+          <p:txBody>
+            <a:bodyPr rtlCol="0" anchor="ctr"/>
+            <a:lstStyle/>
+            <a:p>
+              <a:pPr algn="ctr"/>
+              <a:r>
+                <a:rPr lang="ja-JP" altLang="en-US" sz="2400" b="1" dirty="0"/>
+                <a:t>画像</a:t>
+              </a:r>
+              <a:r>
+                <a:rPr lang="ja-JP" altLang="en-US" sz="2400" b="1" dirty="0" smtClean="0"/>
+                <a:t>を取得</a:t>
+              </a:r>
+              <a:endParaRPr lang="ja-JP" altLang="en-US" sz="2400" b="1" dirty="0"/>
+            </a:p>
+          </p:txBody>
+        </p:sp>
+        <p:sp>
+          <p:nvSpPr>
+            <p:cNvPr id="11" name="角丸四角形 10"/>
+            <p:cNvSpPr/>
+            <p:nvPr/>
+          </p:nvSpPr>
+          <p:spPr>
+            <a:xfrm>
+              <a:off x="9105901" y="1673678"/>
+              <a:ext cx="2141763" cy="938894"/>
+            </a:xfrm>
+            <a:prstGeom prst="roundRect">
+              <a:avLst/>
+            </a:prstGeom>
+            <a:ln w="28575"/>
+          </p:spPr>
+          <p:style>
+            <a:lnRef idx="2">
+              <a:schemeClr val="accent1">
+                <a:shade val="50000"/>
+              </a:schemeClr>
+            </a:lnRef>
+            <a:fillRef idx="1">
+              <a:schemeClr val="accent1"/>
+            </a:fillRef>
+            <a:effectRef idx="0">
+              <a:schemeClr val="accent1"/>
+            </a:effectRef>
+            <a:fontRef idx="minor">
+              <a:schemeClr val="lt1"/>
+            </a:fontRef>
+          </p:style>
+          <p:txBody>
+            <a:bodyPr rtlCol="0" anchor="ctr"/>
+            <a:lstStyle/>
+            <a:p>
+              <a:pPr algn="ctr"/>
+              <a:r>
+                <a:rPr lang="ja-JP" altLang="en-US" sz="2400" b="1" dirty="0"/>
+                <a:t>重心計算</a:t>
+              </a:r>
+              <a:endParaRPr lang="ja-JP" altLang="en-US" sz="2400" b="1" dirty="0"/>
+            </a:p>
+          </p:txBody>
+        </p:sp>
+        <p:cxnSp>
+          <p:nvCxnSpPr>
+            <p:cNvPr id="13" name="直線矢印コネクタ 12"/>
+            <p:cNvCxnSpPr>
+              <a:stCxn id="10" idx="3"/>
+              <a:endCxn id="9" idx="1"/>
+            </p:cNvCxnSpPr>
+            <p:nvPr/>
+          </p:nvCxnSpPr>
+          <p:spPr>
+            <a:xfrm>
+              <a:off x="2340430" y="2143125"/>
+              <a:ext cx="827315" cy="0"/>
+            </a:xfrm>
+            <a:prstGeom prst="straightConnector1">
+              <a:avLst/>
+            </a:prstGeom>
+            <a:ln w="38100">
+              <a:tailEnd type="triangle"/>
+            </a:ln>
+          </p:spPr>
+          <p:style>
+            <a:lnRef idx="1">
+              <a:schemeClr val="accent1"/>
+            </a:lnRef>
+            <a:fillRef idx="0">
+              <a:schemeClr val="accent1"/>
+            </a:fillRef>
+            <a:effectRef idx="0">
+              <a:schemeClr val="accent1"/>
+            </a:effectRef>
+            <a:fontRef idx="minor">
+              <a:schemeClr val="tx1"/>
+            </a:fontRef>
+          </p:style>
+        </p:cxnSp>
+        <p:cxnSp>
+          <p:nvCxnSpPr>
+            <p:cNvPr id="15" name="直線矢印コネクタ 14"/>
+            <p:cNvCxnSpPr>
+              <a:stCxn id="9" idx="3"/>
+              <a:endCxn id="5" idx="1"/>
+            </p:cNvCxnSpPr>
+            <p:nvPr/>
+          </p:nvCxnSpPr>
+          <p:spPr>
+            <a:xfrm>
+              <a:off x="5309508" y="2143125"/>
+              <a:ext cx="827315" cy="0"/>
+            </a:xfrm>
+            <a:prstGeom prst="straightConnector1">
+              <a:avLst/>
+            </a:prstGeom>
+            <a:ln w="38100">
+              <a:tailEnd type="triangle"/>
+            </a:ln>
+          </p:spPr>
+          <p:style>
+            <a:lnRef idx="1">
+              <a:schemeClr val="accent1"/>
+            </a:lnRef>
+            <a:fillRef idx="0">
+              <a:schemeClr val="accent1"/>
+            </a:fillRef>
+            <a:effectRef idx="0">
+              <a:schemeClr val="accent1"/>
+            </a:effectRef>
+            <a:fontRef idx="minor">
+              <a:schemeClr val="tx1"/>
+            </a:fontRef>
+          </p:style>
+        </p:cxnSp>
+        <p:cxnSp>
+          <p:nvCxnSpPr>
+            <p:cNvPr id="17" name="直線矢印コネクタ 16"/>
+            <p:cNvCxnSpPr>
+              <a:stCxn id="5" idx="3"/>
+              <a:endCxn id="11" idx="1"/>
+            </p:cNvCxnSpPr>
+            <p:nvPr/>
+          </p:nvCxnSpPr>
+          <p:spPr>
+            <a:xfrm>
+              <a:off x="8278586" y="2143125"/>
+              <a:ext cx="827315" cy="0"/>
+            </a:xfrm>
+            <a:prstGeom prst="straightConnector1">
+              <a:avLst/>
+            </a:prstGeom>
+            <a:ln w="38100">
+              <a:tailEnd type="triangle"/>
+            </a:ln>
+          </p:spPr>
+          <p:style>
+            <a:lnRef idx="1">
+              <a:schemeClr val="accent1"/>
+            </a:lnRef>
+            <a:fillRef idx="0">
+              <a:schemeClr val="accent1"/>
+            </a:fillRef>
+            <a:effectRef idx="0">
+              <a:schemeClr val="accent1"/>
+            </a:effectRef>
+            <a:fontRef idx="minor">
+              <a:schemeClr val="tx1"/>
+            </a:fontRef>
+          </p:style>
+        </p:cxnSp>
+      </p:grpSp>
+    </p:spTree>
+    <p:extLst>
+      <p:ext uri="{BB962C8B-B14F-4D97-AF65-F5344CB8AC3E}">
+        <p14:creationId xmlns:p14="http://schemas.microsoft.com/office/powerpoint/2010/main" val="2768874140"/>
+      </p:ext>
+    </p:extLst>
+  </p:cSld>
+  <p:clrMapOvr>
+    <a:masterClrMapping/>
+  </p:clrMapOvr>
+</p:sld>
+</file>
+
+<file path=ppt/slides/slide2.xml><?xml version="1.0" encoding="utf-8"?>
+<p:sld xmlns:a="http://schemas.openxmlformats.org/drawingml/2006/main" xmlns:r="http://schemas.openxmlformats.org/officeDocument/2006/relationships" xmlns:p="http://schemas.openxmlformats.org/presentationml/2006/main">
+  <p:cSld>
+    <p:spTree>
+      <p:nvGrpSpPr>
+        <p:cNvPr id="1" name=""/>
+        <p:cNvGrpSpPr/>
+        <p:nvPr/>
+      </p:nvGrpSpPr>
+      <p:grpSpPr>
+        <a:xfrm>
+          <a:off x="0" y="0"/>
+          <a:ext cx="0" cy="0"/>
+          <a:chOff x="0" y="0"/>
+          <a:chExt cx="0" cy="0"/>
+        </a:xfrm>
+      </p:grpSpPr>
       <p:pic>
         <p:nvPicPr>
           <p:cNvPr id="2" name="図 1"/>
@@ -3519,7 +3877,7 @@
 </p:sld>
 </file>
 
-<file path=ppt/slides/slide2.xml><?xml version="1.0" encoding="utf-8"?>
+<file path=ppt/slides/slide3.xml><?xml version="1.0" encoding="utf-8"?>
 <p:sld xmlns:a="http://schemas.openxmlformats.org/drawingml/2006/main" xmlns:r="http://schemas.openxmlformats.org/officeDocument/2006/relationships" xmlns:p="http://schemas.openxmlformats.org/presentationml/2006/main">
   <p:cSld>
     <p:spTree>
@@ -3940,8 +4298,8 @@
               </a:fontRef>
             </p:style>
           </p:cxnSp>
-          <mc:AlternateContent xmlns:mc="http://schemas.openxmlformats.org/markup-compatibility/2006">
-            <mc:Choice xmlns:a14="http://schemas.microsoft.com/office/drawing/2010/main" Requires="a14">
+          <mc:AlternateContent xmlns:mc="http://schemas.openxmlformats.org/markup-compatibility/2006" xmlns:a14="http://schemas.microsoft.com/office/drawing/2010/main">
+            <mc:Choice Requires="a14">
               <p:sp>
                 <p:nvSpPr>
                   <p:cNvPr id="54" name="テキスト ボックス 53">
@@ -4132,7 +4490,7 @@
                 </p:txBody>
               </p:sp>
             </mc:Choice>
-            <mc:Fallback>
+            <mc:Fallback xmlns="">
               <p:sp>
                 <p:nvSpPr>
                   <p:cNvPr id="54" name="テキスト ボックス 53">
@@ -4177,8 +4535,8 @@
               </p:sp>
             </mc:Fallback>
           </mc:AlternateContent>
-          <mc:AlternateContent xmlns:mc="http://schemas.openxmlformats.org/markup-compatibility/2006">
-            <mc:Choice xmlns:a14="http://schemas.microsoft.com/office/drawing/2010/main" Requires="a14">
+          <mc:AlternateContent xmlns:mc="http://schemas.openxmlformats.org/markup-compatibility/2006" xmlns:a14="http://schemas.microsoft.com/office/drawing/2010/main">
+            <mc:Choice Requires="a14">
               <p:sp>
                 <p:nvSpPr>
                   <p:cNvPr id="55" name="テキスト ボックス 54">
@@ -4326,7 +4684,7 @@
                 </p:txBody>
               </p:sp>
             </mc:Choice>
-            <mc:Fallback>
+            <mc:Fallback xmlns="">
               <p:sp>
                 <p:nvSpPr>
                   <p:cNvPr id="55" name="テキスト ボックス 54">
@@ -4510,8 +4868,8 @@
               </a:fontRef>
             </p:style>
           </p:cxnSp>
-          <mc:AlternateContent xmlns:mc="http://schemas.openxmlformats.org/markup-compatibility/2006">
-            <mc:Choice xmlns:a14="http://schemas.microsoft.com/office/drawing/2010/main" Requires="a14">
+          <mc:AlternateContent xmlns:mc="http://schemas.openxmlformats.org/markup-compatibility/2006" xmlns:a14="http://schemas.microsoft.com/office/drawing/2010/main">
+            <mc:Choice Requires="a14">
               <p:sp>
                 <p:nvSpPr>
                   <p:cNvPr id="71" name="テキスト ボックス 70">
@@ -4540,6 +4898,7 @@
                   </a:bodyPr>
                   <a:lstStyle/>
                   <a:p>
+                    <a:pPr/>
                     <a14:m>
                       <m:oMathPara xmlns:m="http://schemas.openxmlformats.org/officeDocument/2006/math">
                         <m:oMathParaPr>
@@ -4585,7 +4944,7 @@
                 </p:txBody>
               </p:sp>
             </mc:Choice>
-            <mc:Fallback>
+            <mc:Fallback xmlns="">
               <p:sp>
                 <p:nvSpPr>
                   <p:cNvPr id="71" name="テキスト ボックス 70">
@@ -4631,8 +4990,8 @@
             </mc:Fallback>
           </mc:AlternateContent>
         </p:grpSp>
-        <mc:AlternateContent xmlns:mc="http://schemas.openxmlformats.org/markup-compatibility/2006">
-          <mc:Choice xmlns:a14="http://schemas.microsoft.com/office/drawing/2010/main" Requires="a14">
+        <mc:AlternateContent xmlns:mc="http://schemas.openxmlformats.org/markup-compatibility/2006" xmlns:a14="http://schemas.microsoft.com/office/drawing/2010/main">
+          <mc:Choice Requires="a14">
             <p:sp>
               <p:nvSpPr>
                 <p:cNvPr id="74" name="テキスト ボックス 73">
@@ -4661,6 +5020,7 @@
                 </a:bodyPr>
                 <a:lstStyle/>
                 <a:p>
+                  <a:pPr/>
                   <a14:m>
                     <m:oMathPara xmlns:m="http://schemas.openxmlformats.org/officeDocument/2006/math">
                       <m:oMathParaPr>
@@ -4706,7 +5066,7 @@
               </p:txBody>
             </p:sp>
           </mc:Choice>
-          <mc:Fallback>
+          <mc:Fallback xmlns="">
             <p:sp>
               <p:nvSpPr>
                 <p:cNvPr id="74" name="テキスト ボックス 73">
@@ -4751,8 +5111,8 @@
             </p:sp>
           </mc:Fallback>
         </mc:AlternateContent>
-        <mc:AlternateContent xmlns:mc="http://schemas.openxmlformats.org/markup-compatibility/2006">
-          <mc:Choice xmlns:a14="http://schemas.microsoft.com/office/drawing/2010/main" Requires="a14">
+        <mc:AlternateContent xmlns:mc="http://schemas.openxmlformats.org/markup-compatibility/2006" xmlns:a14="http://schemas.microsoft.com/office/drawing/2010/main">
+          <mc:Choice Requires="a14">
             <p:sp>
               <p:nvSpPr>
                 <p:cNvPr id="75" name="テキスト ボックス 74">
@@ -4781,6 +5141,7 @@
                 </a:bodyPr>
                 <a:lstStyle/>
                 <a:p>
+                  <a:pPr/>
                   <a14:m>
                     <m:oMathPara xmlns:m="http://schemas.openxmlformats.org/officeDocument/2006/math">
                       <m:oMathParaPr>
@@ -4826,7 +5187,7 @@
               </p:txBody>
             </p:sp>
           </mc:Choice>
-          <mc:Fallback>
+          <mc:Fallback xmlns="">
             <p:sp>
               <p:nvSpPr>
                 <p:cNvPr id="75" name="テキスト ボックス 74">
@@ -4872,8 +5233,8 @@
           </mc:Fallback>
         </mc:AlternateContent>
       </p:grpSp>
-      <mc:AlternateContent xmlns:mc="http://schemas.openxmlformats.org/markup-compatibility/2006">
-        <mc:Choice xmlns:a14="http://schemas.microsoft.com/office/drawing/2010/main" Requires="a14">
+      <mc:AlternateContent xmlns:mc="http://schemas.openxmlformats.org/markup-compatibility/2006" xmlns:a14="http://schemas.microsoft.com/office/drawing/2010/main">
+        <mc:Choice Requires="a14">
           <p:sp>
             <p:nvSpPr>
               <p:cNvPr id="76" name="テキスト ボックス 75">
@@ -4935,7 +5296,7 @@
             </p:txBody>
           </p:sp>
         </mc:Choice>
-        <mc:Fallback>
+        <mc:Fallback xmlns="">
           <p:sp>
             <p:nvSpPr>
               <p:cNvPr id="76" name="テキスト ボックス 75">
@@ -5000,7 +5361,7 @@
 </p:sld>
 </file>
 
-<file path=ppt/slides/slide3.xml><?xml version="1.0" encoding="utf-8"?>
+<file path=ppt/slides/slide4.xml><?xml version="1.0" encoding="utf-8"?>
 <p:sld xmlns:a="http://schemas.openxmlformats.org/drawingml/2006/main" xmlns:r="http://schemas.openxmlformats.org/officeDocument/2006/relationships" xmlns:p="http://schemas.openxmlformats.org/presentationml/2006/main">
   <p:cSld>
     <p:spTree>
@@ -5731,8 +6092,8 @@
             </a:fontRef>
           </p:style>
         </p:cxnSp>
-        <mc:AlternateContent xmlns:mc="http://schemas.openxmlformats.org/markup-compatibility/2006">
-          <mc:Choice xmlns:a14="http://schemas.microsoft.com/office/drawing/2010/main" Requires="a14">
+        <mc:AlternateContent xmlns:mc="http://schemas.openxmlformats.org/markup-compatibility/2006" xmlns:a14="http://schemas.microsoft.com/office/drawing/2010/main">
+          <mc:Choice Requires="a14">
             <p:sp>
               <p:nvSpPr>
                 <p:cNvPr id="54" name="テキスト ボックス 53">
@@ -5911,7 +6272,7 @@
               </p:txBody>
             </p:sp>
           </mc:Choice>
-          <mc:Fallback>
+          <mc:Fallback xmlns="">
             <p:sp>
               <p:nvSpPr>
                 <p:cNvPr id="54" name="テキスト ボックス 53">
@@ -5956,8 +6317,8 @@
             </p:sp>
           </mc:Fallback>
         </mc:AlternateContent>
-        <mc:AlternateContent xmlns:mc="http://schemas.openxmlformats.org/markup-compatibility/2006">
-          <mc:Choice xmlns:a14="http://schemas.microsoft.com/office/drawing/2010/main" Requires="a14">
+        <mc:AlternateContent xmlns:mc="http://schemas.openxmlformats.org/markup-compatibility/2006" xmlns:a14="http://schemas.microsoft.com/office/drawing/2010/main">
+          <mc:Choice Requires="a14">
             <p:sp>
               <p:nvSpPr>
                 <p:cNvPr id="55" name="テキスト ボックス 54">
@@ -6117,7 +6478,7 @@
               </p:txBody>
             </p:sp>
           </mc:Choice>
-          <mc:Fallback>
+          <mc:Fallback xmlns="">
             <p:sp>
               <p:nvSpPr>
                 <p:cNvPr id="55" name="テキスト ボックス 54">
@@ -6162,8 +6523,8 @@
             </p:sp>
           </mc:Fallback>
         </mc:AlternateContent>
-        <mc:AlternateContent xmlns:mc="http://schemas.openxmlformats.org/markup-compatibility/2006">
-          <mc:Choice xmlns:a14="http://schemas.microsoft.com/office/drawing/2010/main" Requires="a14">
+        <mc:AlternateContent xmlns:mc="http://schemas.openxmlformats.org/markup-compatibility/2006" xmlns:a14="http://schemas.microsoft.com/office/drawing/2010/main">
+          <mc:Choice Requires="a14">
             <p:sp>
               <p:nvSpPr>
                 <p:cNvPr id="56" name="テキスト ボックス 55">
@@ -6225,7 +6586,7 @@
               </p:txBody>
             </p:sp>
           </mc:Choice>
-          <mc:Fallback>
+          <mc:Fallback xmlns="">
             <p:sp>
               <p:nvSpPr>
                 <p:cNvPr id="56" name="テキスト ボックス 55">
@@ -6270,8 +6631,8 @@
             </p:sp>
           </mc:Fallback>
         </mc:AlternateContent>
-        <mc:AlternateContent xmlns:mc="http://schemas.openxmlformats.org/markup-compatibility/2006">
-          <mc:Choice xmlns:a14="http://schemas.microsoft.com/office/drawing/2010/main" Requires="a14">
+        <mc:AlternateContent xmlns:mc="http://schemas.openxmlformats.org/markup-compatibility/2006" xmlns:a14="http://schemas.microsoft.com/office/drawing/2010/main">
+          <mc:Choice Requires="a14">
             <p:sp>
               <p:nvSpPr>
                 <p:cNvPr id="58" name="テキスト ボックス 57">
@@ -6352,7 +6713,7 @@
               </p:txBody>
             </p:sp>
           </mc:Choice>
-          <mc:Fallback>
+          <mc:Fallback xmlns="">
             <p:sp>
               <p:nvSpPr>
                 <p:cNvPr id="58" name="テキスト ボックス 57">
@@ -6418,7 +6779,7 @@
 </p:sld>
 </file>
 
-<file path=ppt/slides/slide4.xml><?xml version="1.0" encoding="utf-8"?>
+<file path=ppt/slides/slide5.xml><?xml version="1.0" encoding="utf-8"?>
 <p:sld xmlns:a="http://schemas.openxmlformats.org/drawingml/2006/main" xmlns:r="http://schemas.openxmlformats.org/officeDocument/2006/relationships" xmlns:p="http://schemas.openxmlformats.org/presentationml/2006/main">
   <p:cSld>
     <p:spTree>
@@ -6574,8 +6935,8 @@
           </p:style>
         </p:cxnSp>
       </p:grpSp>
-      <mc:AlternateContent xmlns:mc="http://schemas.openxmlformats.org/markup-compatibility/2006">
-        <mc:Choice xmlns:a14="http://schemas.microsoft.com/office/drawing/2010/main" Requires="a14">
+      <mc:AlternateContent xmlns:mc="http://schemas.openxmlformats.org/markup-compatibility/2006" xmlns:a14="http://schemas.microsoft.com/office/drawing/2010/main">
+        <mc:Choice Requires="a14">
           <p:sp>
             <p:nvSpPr>
               <p:cNvPr id="37" name="テキスト ボックス 36">
@@ -6604,6 +6965,7 @@
               </a:bodyPr>
               <a:lstStyle/>
               <a:p>
+                <a:pPr/>
                 <a14:m>
                   <m:oMathPara xmlns:m="http://schemas.openxmlformats.org/officeDocument/2006/math">
                     <m:oMathParaPr>
@@ -6649,7 +7011,7 @@
             </p:txBody>
           </p:sp>
         </mc:Choice>
-        <mc:Fallback>
+        <mc:Fallback xmlns="">
           <p:sp>
             <p:nvSpPr>
               <p:cNvPr id="37" name="テキスト ボックス 36">
@@ -6694,8 +7056,8 @@
           </p:sp>
         </mc:Fallback>
       </mc:AlternateContent>
-      <mc:AlternateContent xmlns:mc="http://schemas.openxmlformats.org/markup-compatibility/2006">
-        <mc:Choice xmlns:a14="http://schemas.microsoft.com/office/drawing/2010/main" Requires="a14">
+      <mc:AlternateContent xmlns:mc="http://schemas.openxmlformats.org/markup-compatibility/2006" xmlns:a14="http://schemas.microsoft.com/office/drawing/2010/main">
+        <mc:Choice Requires="a14">
           <p:sp>
             <p:nvSpPr>
               <p:cNvPr id="38" name="テキスト ボックス 37">
@@ -6724,6 +7086,7 @@
               </a:bodyPr>
               <a:lstStyle/>
               <a:p>
+                <a:pPr/>
                 <a14:m>
                   <m:oMathPara xmlns:m="http://schemas.openxmlformats.org/officeDocument/2006/math">
                     <m:oMathParaPr>
@@ -6769,7 +7132,7 @@
             </p:txBody>
           </p:sp>
         </mc:Choice>
-        <mc:Fallback>
+        <mc:Fallback xmlns="">
           <p:sp>
             <p:nvSpPr>
               <p:cNvPr id="38" name="テキスト ボックス 37">
@@ -6814,8 +7177,8 @@
           </p:sp>
         </mc:Fallback>
       </mc:AlternateContent>
-      <mc:AlternateContent xmlns:mc="http://schemas.openxmlformats.org/markup-compatibility/2006">
-        <mc:Choice xmlns:a14="http://schemas.microsoft.com/office/drawing/2010/main" Requires="a14">
+      <mc:AlternateContent xmlns:mc="http://schemas.openxmlformats.org/markup-compatibility/2006" xmlns:a14="http://schemas.microsoft.com/office/drawing/2010/main">
+        <mc:Choice Requires="a14">
           <p:sp>
             <p:nvSpPr>
               <p:cNvPr id="28" name="テキスト ボックス 27">
@@ -6844,6 +7207,7 @@
               </a:bodyPr>
               <a:lstStyle/>
               <a:p>
+                <a:pPr/>
                 <a14:m>
                   <m:oMathPara xmlns:m="http://schemas.openxmlformats.org/officeDocument/2006/math">
                     <m:oMathParaPr>
@@ -6889,7 +7253,7 @@
             </p:txBody>
           </p:sp>
         </mc:Choice>
-        <mc:Fallback>
+        <mc:Fallback xmlns="">
           <p:sp>
             <p:nvSpPr>
               <p:cNvPr id="28" name="テキスト ボックス 27">
@@ -6977,8 +7341,8 @@
           </a:fontRef>
         </p:style>
       </p:cxnSp>
-      <mc:AlternateContent xmlns:mc="http://schemas.openxmlformats.org/markup-compatibility/2006">
-        <mc:Choice xmlns:a14="http://schemas.microsoft.com/office/drawing/2010/main" Requires="a14">
+      <mc:AlternateContent xmlns:mc="http://schemas.openxmlformats.org/markup-compatibility/2006" xmlns:a14="http://schemas.microsoft.com/office/drawing/2010/main">
+        <mc:Choice Requires="a14">
           <p:sp>
             <p:nvSpPr>
               <p:cNvPr id="54" name="テキスト ボックス 53">
@@ -7047,7 +7411,7 @@
             </p:txBody>
           </p:sp>
         </mc:Choice>
-        <mc:Fallback>
+        <mc:Fallback xmlns="">
           <p:sp>
             <p:nvSpPr>
               <p:cNvPr id="54" name="テキスト ボックス 53">
@@ -7092,8 +7456,8 @@
           </p:sp>
         </mc:Fallback>
       </mc:AlternateContent>
-      <mc:AlternateContent xmlns:mc="http://schemas.openxmlformats.org/markup-compatibility/2006">
-        <mc:Choice xmlns:a14="http://schemas.microsoft.com/office/drawing/2010/main" Requires="a14">
+      <mc:AlternateContent xmlns:mc="http://schemas.openxmlformats.org/markup-compatibility/2006" xmlns:a14="http://schemas.microsoft.com/office/drawing/2010/main">
+        <mc:Choice Requires="a14">
           <p:sp>
             <p:nvSpPr>
               <p:cNvPr id="55" name="テキスト ボックス 54">
@@ -7143,7 +7507,7 @@
             </p:txBody>
           </p:sp>
         </mc:Choice>
-        <mc:Fallback>
+        <mc:Fallback xmlns="">
           <p:sp>
             <p:nvSpPr>
               <p:cNvPr id="55" name="テキスト ボックス 54">
@@ -7327,8 +7691,8 @@
           </p:style>
         </p:cxnSp>
       </p:grpSp>
-      <mc:AlternateContent xmlns:mc="http://schemas.openxmlformats.org/markup-compatibility/2006">
-        <mc:Choice xmlns:a14="http://schemas.microsoft.com/office/drawing/2010/main" Requires="a14">
+      <mc:AlternateContent xmlns:mc="http://schemas.openxmlformats.org/markup-compatibility/2006" xmlns:a14="http://schemas.microsoft.com/office/drawing/2010/main">
+        <mc:Choice Requires="a14">
           <p:sp>
             <p:nvSpPr>
               <p:cNvPr id="71" name="テキスト ボックス 70">
@@ -7357,6 +7721,7 @@
               </a:bodyPr>
               <a:lstStyle/>
               <a:p>
+                <a:pPr/>
                 <a14:m>
                   <m:oMathPara xmlns:m="http://schemas.openxmlformats.org/officeDocument/2006/math">
                     <m:oMathParaPr>
@@ -7402,7 +7767,7 @@
             </p:txBody>
           </p:sp>
         </mc:Choice>
-        <mc:Fallback>
+        <mc:Fallback xmlns="">
           <p:sp>
             <p:nvSpPr>
               <p:cNvPr id="71" name="テキスト ボックス 70">
@@ -7447,8 +7812,8 @@
           </p:sp>
         </mc:Fallback>
       </mc:AlternateContent>
-      <mc:AlternateContent xmlns:mc="http://schemas.openxmlformats.org/markup-compatibility/2006">
-        <mc:Choice xmlns:a14="http://schemas.microsoft.com/office/drawing/2010/main" Requires="a14">
+      <mc:AlternateContent xmlns:mc="http://schemas.openxmlformats.org/markup-compatibility/2006" xmlns:a14="http://schemas.microsoft.com/office/drawing/2010/main">
+        <mc:Choice Requires="a14">
           <p:sp>
             <p:nvSpPr>
               <p:cNvPr id="74" name="テキスト ボックス 73">
@@ -7477,6 +7842,7 @@
               </a:bodyPr>
               <a:lstStyle/>
               <a:p>
+                <a:pPr/>
                 <a14:m>
                   <m:oMathPara xmlns:m="http://schemas.openxmlformats.org/officeDocument/2006/math">
                     <m:oMathParaPr>
@@ -7522,7 +7888,7 @@
             </p:txBody>
           </p:sp>
         </mc:Choice>
-        <mc:Fallback>
+        <mc:Fallback xmlns="">
           <p:sp>
             <p:nvSpPr>
               <p:cNvPr id="74" name="テキスト ボックス 73">
@@ -7567,8 +7933,8 @@
           </p:sp>
         </mc:Fallback>
       </mc:AlternateContent>
-      <mc:AlternateContent xmlns:mc="http://schemas.openxmlformats.org/markup-compatibility/2006">
-        <mc:Choice xmlns:a14="http://schemas.microsoft.com/office/drawing/2010/main" Requires="a14">
+      <mc:AlternateContent xmlns:mc="http://schemas.openxmlformats.org/markup-compatibility/2006" xmlns:a14="http://schemas.microsoft.com/office/drawing/2010/main">
+        <mc:Choice Requires="a14">
           <p:sp>
             <p:nvSpPr>
               <p:cNvPr id="75" name="テキスト ボックス 74">
@@ -7597,6 +7963,7 @@
               </a:bodyPr>
               <a:lstStyle/>
               <a:p>
+                <a:pPr/>
                 <a14:m>
                   <m:oMathPara xmlns:m="http://schemas.openxmlformats.org/officeDocument/2006/math">
                     <m:oMathParaPr>
@@ -7642,7 +8009,7 @@
             </p:txBody>
           </p:sp>
         </mc:Choice>
-        <mc:Fallback>
+        <mc:Fallback xmlns="">
           <p:sp>
             <p:nvSpPr>
               <p:cNvPr id="75" name="テキスト ボックス 74">
@@ -7816,8 +8183,8 @@
           </a:p>
         </p:txBody>
       </p:sp>
-      <mc:AlternateContent xmlns:mc="http://schemas.openxmlformats.org/markup-compatibility/2006">
-        <mc:Choice xmlns:a14="http://schemas.microsoft.com/office/drawing/2010/main" Requires="a14">
+      <mc:AlternateContent xmlns:mc="http://schemas.openxmlformats.org/markup-compatibility/2006" xmlns:a14="http://schemas.microsoft.com/office/drawing/2010/main">
+        <mc:Choice Requires="a14">
           <p:sp>
             <p:nvSpPr>
               <p:cNvPr id="40" name="テキスト ボックス 39">
@@ -7899,7 +8266,7 @@
             </p:txBody>
           </p:sp>
         </mc:Choice>
-        <mc:Fallback>
+        <mc:Fallback xmlns="">
           <p:sp>
             <p:nvSpPr>
               <p:cNvPr id="40" name="テキスト ボックス 39">
@@ -7944,8 +8311,8 @@
           </p:sp>
         </mc:Fallback>
       </mc:AlternateContent>
-      <mc:AlternateContent xmlns:mc="http://schemas.openxmlformats.org/markup-compatibility/2006">
-        <mc:Choice xmlns:a14="http://schemas.microsoft.com/office/drawing/2010/main" Requires="a14">
+      <mc:AlternateContent xmlns:mc="http://schemas.openxmlformats.org/markup-compatibility/2006" xmlns:a14="http://schemas.microsoft.com/office/drawing/2010/main">
+        <mc:Choice Requires="a14">
           <p:sp>
             <p:nvSpPr>
               <p:cNvPr id="41" name="テキスト ボックス 40">
@@ -8027,7 +8394,7 @@
             </p:txBody>
           </p:sp>
         </mc:Choice>
-        <mc:Fallback>
+        <mc:Fallback xmlns="">
           <p:sp>
             <p:nvSpPr>
               <p:cNvPr id="41" name="テキスト ボックス 40">
@@ -8072,8 +8439,8 @@
           </p:sp>
         </mc:Fallback>
       </mc:AlternateContent>
-      <mc:AlternateContent xmlns:mc="http://schemas.openxmlformats.org/markup-compatibility/2006">
-        <mc:Choice xmlns:a14="http://schemas.microsoft.com/office/drawing/2010/main" Requires="a14">
+      <mc:AlternateContent xmlns:mc="http://schemas.openxmlformats.org/markup-compatibility/2006" xmlns:a14="http://schemas.microsoft.com/office/drawing/2010/main">
+        <mc:Choice Requires="a14">
           <p:sp>
             <p:nvSpPr>
               <p:cNvPr id="42" name="テキスト ボックス 41">
@@ -8174,7 +8541,7 @@
             </p:txBody>
           </p:sp>
         </mc:Choice>
-        <mc:Fallback>
+        <mc:Fallback xmlns="">
           <p:sp>
             <p:nvSpPr>
               <p:cNvPr id="42" name="テキスト ボックス 41">
@@ -8239,7 +8606,7 @@
 </p:sld>
 </file>
 
-<file path=ppt/slides/slide5.xml><?xml version="1.0" encoding="utf-8"?>
+<file path=ppt/slides/slide6.xml><?xml version="1.0" encoding="utf-8"?>
 <p:sld xmlns:a="http://schemas.openxmlformats.org/drawingml/2006/main" xmlns:r="http://schemas.openxmlformats.org/officeDocument/2006/relationships" xmlns:p="http://schemas.openxmlformats.org/presentationml/2006/main">
   <p:cSld>
     <p:spTree>
@@ -9380,7 +9747,7 @@
 </p:sld>
 </file>
 
-<file path=ppt/slides/slide6.xml><?xml version="1.0" encoding="utf-8"?>
+<file path=ppt/slides/slide7.xml><?xml version="1.0" encoding="utf-8"?>
 <p:sld xmlns:a="http://schemas.openxmlformats.org/drawingml/2006/main" xmlns:r="http://schemas.openxmlformats.org/officeDocument/2006/relationships" xmlns:p="http://schemas.openxmlformats.org/presentationml/2006/main">
   <p:cSld>
     <p:spTree>
@@ -10533,8 +10900,8 @@
             </a:p>
           </p:txBody>
         </p:sp>
-        <mc:AlternateContent xmlns:mc="http://schemas.openxmlformats.org/markup-compatibility/2006">
-          <mc:Choice xmlns:a14="http://schemas.microsoft.com/office/drawing/2010/main" Requires="a14">
+        <mc:AlternateContent xmlns:mc="http://schemas.openxmlformats.org/markup-compatibility/2006" xmlns:a14="http://schemas.microsoft.com/office/drawing/2010/main">
+          <mc:Choice Requires="a14">
             <p:sp>
               <p:nvSpPr>
                 <p:cNvPr id="2" name="テキスト ボックス 1">
@@ -10596,7 +10963,7 @@
               </p:txBody>
             </p:sp>
           </mc:Choice>
-          <mc:Fallback>
+          <mc:Fallback xmlns="">
             <p:sp>
               <p:nvSpPr>
                 <p:cNvPr id="2" name="テキスト ボックス 1">
@@ -10662,7 +11029,7 @@
 </p:sld>
 </file>
 
-<file path=ppt/slides/slide7.xml><?xml version="1.0" encoding="utf-8"?>
+<file path=ppt/slides/slide8.xml><?xml version="1.0" encoding="utf-8"?>
 <p:sld xmlns:a="http://schemas.openxmlformats.org/drawingml/2006/main" xmlns:r="http://schemas.openxmlformats.org/officeDocument/2006/relationships" xmlns:p="http://schemas.openxmlformats.org/presentationml/2006/main">
   <p:cSld>
     <p:spTree>
